--- a/Slides/Module 4 - Storing data.pptx
+++ b/Slides/Module 4 - Storing data.pptx
@@ -235,7 +235,7 @@
           <a:p>
             <a:fld id="{312E7B4A-039C-48A2-9B2C-AF16AA3873D8}" type="datetimeFigureOut">
               <a:rPr lang="en-US" smtClean="0"/>
-              <a:t>12/16/2014</a:t>
+              <a:t>12/17/2014</a:t>
             </a:fld>
             <a:endParaRPr lang="en-US"/>
           </a:p>
@@ -400,7 +400,7 @@
           <a:p>
             <a:fld id="{DA005A0C-54D9-45AA-87D4-C551D08DFCE1}" type="datetimeFigureOut">
               <a:rPr lang="en-US" smtClean="0"/>
-              <a:t>12/16/2014</a:t>
+              <a:t>12/17/2014</a:t>
             </a:fld>
             <a:endParaRPr lang="en-US"/>
           </a:p>
@@ -3530,15 +3530,7 @@
             <a:pPr marL="914400" indent="-914400"/>
             <a:r>
               <a:rPr lang="en-US" dirty="0" smtClean="0"/>
-              <a:t>04 | Data </a:t>
-            </a:r>
-            <a:r>
-              <a:rPr lang="en-US" dirty="0" smtClean="0"/>
-              <a:t>storage </a:t>
-            </a:r>
-            <a:r>
-              <a:rPr lang="en-US" dirty="0" smtClean="0"/>
-              <a:t>options</a:t>
+              <a:t>04 | Data storage options</a:t>
             </a:r>
             <a:endParaRPr lang="en-US" dirty="0"/>
           </a:p>
@@ -3561,13 +3553,8 @@
           <a:p>
             <a:r>
               <a:rPr lang="en-US" dirty="0" smtClean="0"/>
-              <a:t>Susan Ibach | </a:t>
-            </a:r>
-            <a:r>
-              <a:rPr lang="en-US" dirty="0" smtClean="0"/>
-              <a:t>Technical Evangelist</a:t>
-            </a:r>
-            <a:endParaRPr lang="en-US" dirty="0" smtClean="0"/>
+              <a:t>Susan Ibach | Technical Evangelist</a:t>
+            </a:r>
           </a:p>
           <a:p>
             <a:r>
@@ -3657,13 +3644,8 @@
           <a:p>
             <a:r>
               <a:rPr lang="en-CA" dirty="0" smtClean="0"/>
-              <a:t>If you store data across multiple files, your code </a:t>
-            </a:r>
-            <a:r>
-              <a:rPr lang="en-CA" dirty="0" smtClean="0"/>
-              <a:t>doesn’t know which records go together</a:t>
-            </a:r>
-            <a:endParaRPr lang="en-CA" dirty="0" smtClean="0"/>
+              <a:t>If you store data across multiple files, your code doesn’t know which records go together</a:t>
+            </a:r>
           </a:p>
         </p:txBody>
       </p:sp>
@@ -6081,15 +6063,7 @@
             </a:pPr>
             <a:r>
               <a:rPr lang="en-CA" dirty="0" smtClean="0"/>
-              <a:t>XML files </a:t>
-            </a:r>
-            <a:r>
-              <a:rPr lang="en-CA" dirty="0" smtClean="0"/>
-              <a:t>are text </a:t>
-            </a:r>
-            <a:r>
-              <a:rPr lang="en-CA" dirty="0" smtClean="0"/>
-              <a:t>files with a very specific structure that includes tags to indicate the data they contain</a:t>
+              <a:t>XML files are text files with a very specific structure that includes tags to indicate the data they contain</a:t>
             </a:r>
             <a:endParaRPr lang="en-US" dirty="0"/>
           </a:p>
@@ -7977,11 +7951,7 @@
               </a:r>
               <a:r>
                 <a:rPr lang="en-CA" dirty="0" smtClean="0"/>
-                <a:t> </a:t>
-              </a:r>
-              <a:r>
-                <a:rPr lang="en-CA" dirty="0" smtClean="0"/>
-                <a:t>id</a:t>
+                <a:t> id</a:t>
               </a:r>
               <a:endParaRPr lang="en-US" dirty="0"/>
             </a:p>
@@ -8154,11 +8124,7 @@
             <a:p>
               <a:r>
                 <a:rPr lang="en-CA" dirty="0" smtClean="0"/>
-                <a:t>Jodi Mills is the value for </a:t>
-              </a:r>
-              <a:r>
-                <a:rPr lang="en-CA" dirty="0" smtClean="0"/>
-                <a:t>employee name</a:t>
+                <a:t>Jodi Mills is the value for employee name</a:t>
               </a:r>
               <a:endParaRPr lang="en-US" dirty="0"/>
             </a:p>
@@ -13123,11 +13089,7 @@
             </a:r>
             <a:r>
               <a:rPr lang="en-CA" dirty="0" smtClean="0"/>
-              <a:t> </a:t>
-            </a:r>
-            <a:r>
-              <a:rPr lang="en-CA" dirty="0" smtClean="0"/>
-              <a:t>* </a:t>
+              <a:t> * </a:t>
             </a:r>
           </a:p>
           <a:p>
@@ -14637,15 +14599,7 @@
             </a:r>
             <a:r>
               <a:rPr lang="en-CA" sz="2400" b="1" dirty="0" smtClean="0"/>
-              <a:t>Task </a:t>
-            </a:r>
-            <a:r>
-              <a:rPr lang="en-CA" sz="2400" b="1" dirty="0" smtClean="0"/>
-              <a:t>Manager | </a:t>
-            </a:r>
-            <a:r>
-              <a:rPr lang="en-CA" sz="2400" b="1" dirty="0" smtClean="0"/>
-              <a:t>Services </a:t>
+              <a:t>Task Manager | Services </a:t>
             </a:r>
           </a:p>
           <a:p>
@@ -15242,8 +15196,8 @@
         </p:nvSpPr>
         <p:spPr bwMode="auto">
           <a:xfrm>
-            <a:off x="379413" y="2802406"/>
-            <a:ext cx="10549683" cy="1938992"/>
+            <a:off x="623831" y="3227109"/>
+            <a:ext cx="10379765" cy="461665"/>
           </a:xfrm>
           <a:prstGeom prst="rect">
             <a:avLst/>
@@ -15308,13 +15262,55 @@
                   <a:noFill/>
                 </a:ln>
                 <a:solidFill>
-                  <a:srgbClr val="0000FF"/>
+                  <a:srgbClr val="000000"/>
                 </a:solidFill>
                 <a:effectLst/>
                 <a:latin typeface="Consolas" panose="020B0609020204030204" pitchFamily="49" charset="0"/>
                 <a:cs typeface="Consolas" panose="020B0609020204030204" pitchFamily="49" charset="0"/>
               </a:rPr>
-              <a:t>try</a:t>
+              <a:t>        r=</a:t>
+            </a:r>
+            <a:r>
+              <a:rPr kumimoji="0" lang="en-US" altLang="en-US" sz="2400" b="0" i="0" u="none" strike="noStrike" cap="none" normalizeH="0" baseline="0" dirty="0" err="1" smtClean="0">
+                <a:ln>
+                  <a:noFill/>
+                </a:ln>
+                <a:solidFill>
+                  <a:srgbClr val="6F008A"/>
+                </a:solidFill>
+                <a:effectLst/>
+                <a:latin typeface="Consolas" panose="020B0609020204030204" pitchFamily="49" charset="0"/>
+                <a:cs typeface="Consolas" panose="020B0609020204030204" pitchFamily="49" charset="0"/>
+              </a:rPr>
+              <a:t>redis</a:t>
+            </a:r>
+            <a:r>
+              <a:rPr kumimoji="0" lang="en-US" altLang="en-US" sz="2400" b="0" i="0" u="none" strike="noStrike" cap="none" normalizeH="0" baseline="0" dirty="0" err="1" smtClean="0">
+                <a:ln>
+                  <a:noFill/>
+                </a:ln>
+                <a:solidFill>
+                  <a:srgbClr val="000000"/>
+                </a:solidFill>
+                <a:effectLst/>
+                <a:latin typeface="Consolas" panose="020B0609020204030204" pitchFamily="49" charset="0"/>
+                <a:cs typeface="Consolas" panose="020B0609020204030204" pitchFamily="49" charset="0"/>
+              </a:rPr>
+              <a:t>.</a:t>
+            </a:r>
+            <a:r>
+              <a:rPr kumimoji="0" lang="en-US" altLang="en-US" sz="2400" b="0" i="0" u="none" strike="noStrike" cap="none" normalizeH="0" baseline="0" dirty="0" err="1" smtClean="0">
+                <a:ln>
+                  <a:noFill/>
+                </a:ln>
+                <a:solidFill>
+                  <a:srgbClr val="2B91AF"/>
+                </a:solidFill>
+                <a:effectLst/>
+                <a:latin typeface="Consolas" panose="020B0609020204030204" pitchFamily="49" charset="0"/>
+                <a:cs typeface="Consolas" panose="020B0609020204030204" pitchFamily="49" charset="0"/>
+              </a:rPr>
+              <a:t>StrictRedis</a:t>
             </a:r>
             <a:r>
               <a:rPr kumimoji="0" lang="en-US" altLang="en-US" sz="2400" b="0" i="0" u="none" strike="noStrike" cap="none" normalizeH="0" baseline="0" dirty="0" smtClean="0">
@@ -15328,26 +15324,8 @@
                 <a:latin typeface="Consolas" panose="020B0609020204030204" pitchFamily="49" charset="0"/>
                 <a:cs typeface="Consolas" panose="020B0609020204030204" pitchFamily="49" charset="0"/>
               </a:rPr>
-              <a:t>:</a:t>
-            </a:r>
-          </a:p>
-          <a:p>
-            <a:pPr marL="0" marR="0" lvl="0" indent="0" algn="l" defTabSz="914400" rtl="0" eaLnBrk="0" fontAlgn="base" latinLnBrk="0" hangingPunct="0">
-              <a:lnSpc>
-                <a:spcPct val="100000"/>
-              </a:lnSpc>
-              <a:spcBef>
-                <a:spcPct val="0"/>
-              </a:spcBef>
-              <a:spcAft>
-                <a:spcPct val="0"/>
-              </a:spcAft>
-              <a:buClrTx/>
-              <a:buSzTx/>
-              <a:buFontTx/>
-              <a:buNone/>
-              <a:tabLst/>
-            </a:pPr>
+              <a:t>(host</a:t>
+            </a:r>
             <a:r>
               <a:rPr kumimoji="0" lang="en-US" altLang="en-US" sz="2400" b="0" i="0" u="none" strike="noStrike" cap="none" normalizeH="0" baseline="0" dirty="0" smtClean="0">
                 <a:ln>
@@ -15360,7 +15338,21 @@
                 <a:latin typeface="Consolas" panose="020B0609020204030204" pitchFamily="49" charset="0"/>
                 <a:cs typeface="Consolas" panose="020B0609020204030204" pitchFamily="49" charset="0"/>
               </a:rPr>
-              <a:t>         r=</a:t>
+              <a:t>=</a:t>
+            </a:r>
+            <a:r>
+              <a:rPr kumimoji="0" lang="en-US" altLang="en-US" sz="2400" b="0" i="0" u="none" strike="noStrike" cap="none" normalizeH="0" baseline="0" dirty="0" smtClean="0">
+                <a:ln>
+                  <a:noFill/>
+                </a:ln>
+                <a:solidFill>
+                  <a:srgbClr val="A31515"/>
+                </a:solidFill>
+                <a:effectLst/>
+                <a:latin typeface="Consolas" panose="020B0609020204030204" pitchFamily="49" charset="0"/>
+                <a:cs typeface="Consolas" panose="020B0609020204030204" pitchFamily="49" charset="0"/>
+              </a:rPr>
+              <a:t>'</a:t>
             </a:r>
             <a:r>
               <a:rPr kumimoji="0" lang="en-US" altLang="en-US" sz="2400" b="0" i="0" u="none" strike="noStrike" cap="none" normalizeH="0" baseline="0" dirty="0" err="1" smtClean="0">
@@ -15368,13 +15360,13 @@
                   <a:noFill/>
                 </a:ln>
                 <a:solidFill>
-                  <a:srgbClr val="6F008A"/>
+                  <a:srgbClr val="A31515"/>
                 </a:solidFill>
                 <a:effectLst/>
                 <a:latin typeface="Consolas" panose="020B0609020204030204" pitchFamily="49" charset="0"/>
                 <a:cs typeface="Consolas" panose="020B0609020204030204" pitchFamily="49" charset="0"/>
               </a:rPr>
-              <a:t>redis</a:t>
+              <a:t>localhost'</a:t>
             </a:r>
             <a:r>
               <a:rPr kumimoji="0" lang="en-US" altLang="en-US" sz="2400" b="0" i="0" u="none" strike="noStrike" cap="none" normalizeH="0" baseline="0" dirty="0" err="1" smtClean="0">
@@ -15388,21 +15380,7 @@
                 <a:latin typeface="Consolas" panose="020B0609020204030204" pitchFamily="49" charset="0"/>
                 <a:cs typeface="Consolas" panose="020B0609020204030204" pitchFamily="49" charset="0"/>
               </a:rPr>
-              <a:t>.</a:t>
-            </a:r>
-            <a:r>
-              <a:rPr kumimoji="0" lang="en-US" altLang="en-US" sz="2400" b="0" i="0" u="none" strike="noStrike" cap="none" normalizeH="0" baseline="0" dirty="0" err="1" smtClean="0">
-                <a:ln>
-                  <a:noFill/>
-                </a:ln>
-                <a:solidFill>
-                  <a:srgbClr val="2B91AF"/>
-                </a:solidFill>
-                <a:effectLst/>
-                <a:latin typeface="Consolas" panose="020B0609020204030204" pitchFamily="49" charset="0"/>
-                <a:cs typeface="Consolas" panose="020B0609020204030204" pitchFamily="49" charset="0"/>
-              </a:rPr>
-              <a:t>StrictRedis</a:t>
+              <a:t>,port</a:t>
             </a:r>
             <a:r>
               <a:rPr kumimoji="0" lang="en-US" altLang="en-US" sz="2400" b="0" i="0" u="none" strike="noStrike" cap="none" normalizeH="0" baseline="0" dirty="0" smtClean="0">
@@ -15416,7 +15394,7 @@
                 <a:latin typeface="Consolas" panose="020B0609020204030204" pitchFamily="49" charset="0"/>
                 <a:cs typeface="Consolas" panose="020B0609020204030204" pitchFamily="49" charset="0"/>
               </a:rPr>
-              <a:t>(host=</a:t>
+              <a:t>=6379,db=0</a:t>
             </a:r>
             <a:r>
               <a:rPr kumimoji="0" lang="en-US" altLang="en-US" sz="2400" b="0" i="0" u="none" strike="noStrike" cap="none" normalizeH="0" baseline="0" dirty="0" smtClean="0">
@@ -15424,287 +15402,24 @@
                   <a:noFill/>
                 </a:ln>
                 <a:solidFill>
-                  <a:srgbClr val="A31515"/>
+                  <a:srgbClr val="000000"/>
                 </a:solidFill>
                 <a:effectLst/>
                 <a:latin typeface="Consolas" panose="020B0609020204030204" pitchFamily="49" charset="0"/>
                 <a:cs typeface="Consolas" panose="020B0609020204030204" pitchFamily="49" charset="0"/>
               </a:rPr>
-              <a:t>'</a:t>
-            </a:r>
-            <a:r>
-              <a:rPr kumimoji="0" lang="en-US" altLang="en-US" sz="2400" b="0" i="0" u="none" strike="noStrike" cap="none" normalizeH="0" baseline="0" dirty="0" err="1" smtClean="0">
-                <a:ln>
-                  <a:noFill/>
-                </a:ln>
-                <a:solidFill>
-                  <a:srgbClr val="A31515"/>
-                </a:solidFill>
-                <a:effectLst/>
-                <a:latin typeface="Consolas" panose="020B0609020204030204" pitchFamily="49" charset="0"/>
-                <a:cs typeface="Consolas" panose="020B0609020204030204" pitchFamily="49" charset="0"/>
-              </a:rPr>
-              <a:t>localhost'</a:t>
-            </a:r>
-            <a:r>
-              <a:rPr kumimoji="0" lang="en-US" altLang="en-US" sz="2400" b="0" i="0" u="none" strike="noStrike" cap="none" normalizeH="0" baseline="0" dirty="0" err="1" smtClean="0">
-                <a:ln>
-                  <a:noFill/>
-                </a:ln>
-                <a:solidFill>
-                  <a:srgbClr val="000000"/>
-                </a:solidFill>
-                <a:effectLst/>
-                <a:latin typeface="Consolas" panose="020B0609020204030204" pitchFamily="49" charset="0"/>
-                <a:cs typeface="Consolas" panose="020B0609020204030204" pitchFamily="49" charset="0"/>
-              </a:rPr>
-              <a:t>,port</a:t>
-            </a:r>
-            <a:r>
-              <a:rPr kumimoji="0" lang="en-US" altLang="en-US" sz="2400" b="0" i="0" u="none" strike="noStrike" cap="none" normalizeH="0" baseline="0" dirty="0" smtClean="0">
-                <a:ln>
-                  <a:noFill/>
-                </a:ln>
-                <a:solidFill>
-                  <a:srgbClr val="000000"/>
-                </a:solidFill>
-                <a:effectLst/>
-                <a:latin typeface="Consolas" panose="020B0609020204030204" pitchFamily="49" charset="0"/>
-                <a:cs typeface="Consolas" panose="020B0609020204030204" pitchFamily="49" charset="0"/>
-              </a:rPr>
-              <a:t>=6379,db=0)</a:t>
-            </a:r>
-          </a:p>
-          <a:p>
-            <a:pPr marL="0" marR="0" lvl="0" indent="0" algn="l" defTabSz="914400" rtl="0" eaLnBrk="0" fontAlgn="base" latinLnBrk="0" hangingPunct="0">
-              <a:lnSpc>
-                <a:spcPct val="100000"/>
-              </a:lnSpc>
-              <a:spcBef>
-                <a:spcPct val="0"/>
-              </a:spcBef>
-              <a:spcAft>
-                <a:spcPct val="0"/>
-              </a:spcAft>
-              <a:buClrTx/>
-              <a:buSzTx/>
-              <a:buFontTx/>
-              <a:buNone/>
-              <a:tabLst/>
-            </a:pPr>
-            <a:r>
-              <a:rPr kumimoji="0" lang="en-US" altLang="en-US" sz="2400" b="0" i="0" u="none" strike="noStrike" cap="none" normalizeH="0" baseline="0" dirty="0" smtClean="0">
-                <a:ln>
-                  <a:noFill/>
-                </a:ln>
-                <a:solidFill>
-                  <a:srgbClr val="000000"/>
-                </a:solidFill>
-                <a:effectLst/>
-                <a:latin typeface="Consolas" panose="020B0609020204030204" pitchFamily="49" charset="0"/>
-                <a:cs typeface="Consolas" panose="020B0609020204030204" pitchFamily="49" charset="0"/>
-              </a:rPr>
-              <a:t>         </a:t>
-            </a:r>
-            <a:r>
-              <a:rPr kumimoji="0" lang="en-US" altLang="en-US" sz="2400" b="0" i="0" u="none" strike="noStrike" cap="none" normalizeH="0" baseline="0" dirty="0" smtClean="0">
-                <a:ln>
-                  <a:noFill/>
-                </a:ln>
-                <a:solidFill>
-                  <a:srgbClr val="0000FF"/>
-                </a:solidFill>
-                <a:effectLst/>
-                <a:latin typeface="Consolas" panose="020B0609020204030204" pitchFamily="49" charset="0"/>
-                <a:cs typeface="Consolas" panose="020B0609020204030204" pitchFamily="49" charset="0"/>
-              </a:rPr>
-              <a:t>return</a:t>
-            </a:r>
-            <a:r>
-              <a:rPr kumimoji="0" lang="en-US" altLang="en-US" sz="2400" b="0" i="0" u="none" strike="noStrike" cap="none" normalizeH="0" baseline="0" dirty="0" smtClean="0">
-                <a:ln>
-                  <a:noFill/>
-                </a:ln>
-                <a:solidFill>
-                  <a:srgbClr val="000000"/>
-                </a:solidFill>
-                <a:effectLst/>
-                <a:latin typeface="Consolas" panose="020B0609020204030204" pitchFamily="49" charset="0"/>
-                <a:cs typeface="Consolas" panose="020B0609020204030204" pitchFamily="49" charset="0"/>
-              </a:rPr>
-              <a:t> (</a:t>
-            </a:r>
-            <a:r>
-              <a:rPr kumimoji="0" lang="en-US" altLang="en-US" sz="2400" b="0" i="0" u="none" strike="noStrike" cap="none" normalizeH="0" baseline="0" dirty="0" smtClean="0">
-                <a:ln>
-                  <a:noFill/>
-                </a:ln>
-                <a:solidFill>
-                  <a:srgbClr val="A31515"/>
-                </a:solidFill>
-                <a:effectLst/>
-                <a:latin typeface="Consolas" panose="020B0609020204030204" pitchFamily="49" charset="0"/>
-                <a:cs typeface="Consolas" panose="020B0609020204030204" pitchFamily="49" charset="0"/>
-              </a:rPr>
-              <a:t>"Connected"</a:t>
-            </a:r>
-            <a:r>
-              <a:rPr kumimoji="0" lang="en-US" altLang="en-US" sz="2400" b="0" i="0" u="none" strike="noStrike" cap="none" normalizeH="0" baseline="0" dirty="0" smtClean="0">
-                <a:ln>
-                  <a:noFill/>
-                </a:ln>
-                <a:solidFill>
-                  <a:srgbClr val="000000"/>
-                </a:solidFill>
-                <a:effectLst/>
-                <a:latin typeface="Consolas" panose="020B0609020204030204" pitchFamily="49" charset="0"/>
-                <a:cs typeface="Consolas" panose="020B0609020204030204" pitchFamily="49" charset="0"/>
-              </a:rPr>
               <a:t>)</a:t>
             </a:r>
-          </a:p>
-          <a:p>
-            <a:pPr marL="0" marR="0" lvl="0" indent="0" algn="l" defTabSz="914400" rtl="0" eaLnBrk="0" fontAlgn="base" latinLnBrk="0" hangingPunct="0">
-              <a:lnSpc>
-                <a:spcPct val="100000"/>
-              </a:lnSpc>
-              <a:spcBef>
-                <a:spcPct val="0"/>
-              </a:spcBef>
-              <a:spcAft>
-                <a:spcPct val="0"/>
-              </a:spcAft>
-              <a:buClrTx/>
-              <a:buSzTx/>
-              <a:buFontTx/>
-              <a:buNone/>
-              <a:tabLst/>
-            </a:pPr>
-            <a:r>
-              <a:rPr kumimoji="0" lang="en-US" altLang="en-US" sz="2400" b="0" i="0" u="none" strike="noStrike" cap="none" normalizeH="0" baseline="0" dirty="0" smtClean="0">
-                <a:ln>
-                  <a:noFill/>
-                </a:ln>
-                <a:solidFill>
-                  <a:srgbClr val="0000FF"/>
-                </a:solidFill>
-                <a:effectLst/>
-                <a:latin typeface="Consolas" panose="020B0609020204030204" pitchFamily="49" charset="0"/>
-                <a:cs typeface="Consolas" panose="020B0609020204030204" pitchFamily="49" charset="0"/>
-              </a:rPr>
-              <a:t>except</a:t>
-            </a:r>
-            <a:r>
-              <a:rPr kumimoji="0" lang="en-US" altLang="en-US" sz="2400" b="0" i="0" u="none" strike="noStrike" cap="none" normalizeH="0" baseline="0" dirty="0" smtClean="0">
-                <a:ln>
-                  <a:noFill/>
-                </a:ln>
-                <a:solidFill>
-                  <a:srgbClr val="000000"/>
-                </a:solidFill>
-                <a:effectLst/>
-                <a:latin typeface="Consolas" panose="020B0609020204030204" pitchFamily="49" charset="0"/>
-                <a:cs typeface="Consolas" panose="020B0609020204030204" pitchFamily="49" charset="0"/>
-              </a:rPr>
-              <a:t>:</a:t>
-            </a:r>
-          </a:p>
-          <a:p>
-            <a:pPr marL="0" marR="0" lvl="0" indent="0" algn="l" defTabSz="914400" rtl="0" eaLnBrk="0" fontAlgn="base" latinLnBrk="0" hangingPunct="0">
-              <a:lnSpc>
-                <a:spcPct val="100000"/>
-              </a:lnSpc>
-              <a:spcBef>
-                <a:spcPct val="0"/>
-              </a:spcBef>
-              <a:spcAft>
-                <a:spcPct val="0"/>
-              </a:spcAft>
-              <a:buClrTx/>
-              <a:buSzTx/>
-              <a:buFontTx/>
-              <a:buNone/>
-              <a:tabLst/>
-            </a:pPr>
-            <a:r>
-              <a:rPr kumimoji="0" lang="en-US" altLang="en-US" sz="2400" b="0" i="0" u="none" strike="noStrike" cap="none" normalizeH="0" baseline="0" dirty="0" smtClean="0">
-                <a:ln>
-                  <a:noFill/>
-                </a:ln>
-                <a:solidFill>
-                  <a:srgbClr val="000000"/>
-                </a:solidFill>
-                <a:effectLst/>
-                <a:latin typeface="Consolas" panose="020B0609020204030204" pitchFamily="49" charset="0"/>
-                <a:cs typeface="Consolas" panose="020B0609020204030204" pitchFamily="49" charset="0"/>
-              </a:rPr>
-              <a:t>         </a:t>
-            </a:r>
-            <a:r>
-              <a:rPr kumimoji="0" lang="en-US" altLang="en-US" sz="2400" b="0" i="0" u="none" strike="noStrike" cap="none" normalizeH="0" baseline="0" dirty="0" smtClean="0">
-                <a:ln>
-                  <a:noFill/>
-                </a:ln>
-                <a:solidFill>
-                  <a:srgbClr val="0000FF"/>
-                </a:solidFill>
-                <a:effectLst/>
-                <a:latin typeface="Consolas" panose="020B0609020204030204" pitchFamily="49" charset="0"/>
-                <a:cs typeface="Consolas" panose="020B0609020204030204" pitchFamily="49" charset="0"/>
-              </a:rPr>
-              <a:t>return</a:t>
-            </a:r>
-            <a:r>
-              <a:rPr kumimoji="0" lang="en-US" altLang="en-US" sz="2400" b="0" i="0" u="none" strike="noStrike" cap="none" normalizeH="0" baseline="0" dirty="0" smtClean="0">
-                <a:ln>
-                  <a:noFill/>
-                </a:ln>
-                <a:solidFill>
-                  <a:srgbClr val="000000"/>
-                </a:solidFill>
-                <a:effectLst/>
-                <a:latin typeface="Consolas" panose="020B0609020204030204" pitchFamily="49" charset="0"/>
-                <a:cs typeface="Consolas" panose="020B0609020204030204" pitchFamily="49" charset="0"/>
-              </a:rPr>
-              <a:t> (</a:t>
-            </a:r>
-            <a:r>
-              <a:rPr kumimoji="0" lang="en-US" altLang="en-US" sz="2400" b="0" i="0" u="none" strike="noStrike" cap="none" normalizeH="0" baseline="0" dirty="0" smtClean="0">
-                <a:ln>
-                  <a:noFill/>
-                </a:ln>
-                <a:solidFill>
-                  <a:srgbClr val="A31515"/>
-                </a:solidFill>
-                <a:effectLst/>
-                <a:latin typeface="Consolas" panose="020B0609020204030204" pitchFamily="49" charset="0"/>
-                <a:cs typeface="Consolas" panose="020B0609020204030204" pitchFamily="49" charset="0"/>
-              </a:rPr>
-              <a:t>"Could not connect"</a:t>
-            </a:r>
-            <a:r>
-              <a:rPr kumimoji="0" lang="en-US" altLang="en-US" sz="2400" b="0" i="0" u="none" strike="noStrike" cap="none" normalizeH="0" baseline="0" dirty="0" smtClean="0">
-                <a:ln>
-                  <a:noFill/>
-                </a:ln>
-                <a:solidFill>
-                  <a:srgbClr val="000000"/>
-                </a:solidFill>
-                <a:effectLst/>
-                <a:latin typeface="Consolas" panose="020B0609020204030204" pitchFamily="49" charset="0"/>
-                <a:cs typeface="Consolas" panose="020B0609020204030204" pitchFamily="49" charset="0"/>
-              </a:rPr>
-              <a:t>)</a:t>
-            </a:r>
-            <a:endParaRPr kumimoji="0" lang="en-US" altLang="en-US" sz="3200" b="0" i="0" u="none" strike="noStrike" cap="none" normalizeH="0" baseline="0" dirty="0" smtClean="0">
+            <a:endParaRPr kumimoji="0" lang="en-US" altLang="en-US" sz="2400" b="0" i="0" u="none" strike="noStrike" cap="none" normalizeH="0" baseline="0" dirty="0" smtClean="0">
               <a:ln>
                 <a:noFill/>
               </a:ln>
               <a:solidFill>
-                <a:schemeClr val="tx1"/>
+                <a:srgbClr val="000000"/>
               </a:solidFill>
               <a:effectLst/>
-              <a:latin typeface="Arial" panose="020B0604020202020204" pitchFamily="34" charset="0"/>
+              <a:latin typeface="Consolas" panose="020B0609020204030204" pitchFamily="49" charset="0"/>
+              <a:cs typeface="Consolas" panose="020B0609020204030204" pitchFamily="49" charset="0"/>
             </a:endParaRPr>
           </a:p>
         </p:txBody>
@@ -16980,23 +16695,7 @@
           <a:p>
             <a:r>
               <a:rPr lang="en-CA" dirty="0" smtClean="0"/>
-              <a:t>What </a:t>
-            </a:r>
-            <a:r>
-              <a:rPr lang="en-CA" dirty="0" smtClean="0"/>
-              <a:t>did</a:t>
-            </a:r>
-            <a:r>
-              <a:rPr lang="en-CA" dirty="0" smtClean="0"/>
-              <a:t> </a:t>
-            </a:r>
-            <a:r>
-              <a:rPr lang="en-CA" dirty="0" smtClean="0"/>
-              <a:t>we </a:t>
-            </a:r>
-            <a:r>
-              <a:rPr lang="en-CA" dirty="0" smtClean="0"/>
-              <a:t>learn?</a:t>
+              <a:t>What did we learn?</a:t>
             </a:r>
             <a:endParaRPr lang="en-US" dirty="0"/>
           </a:p>
@@ -17019,25 +16718,13 @@
           <a:p>
             <a:r>
               <a:rPr lang="en-CA" dirty="0" smtClean="0"/>
-              <a:t>Pros and cons of using</a:t>
-            </a:r>
+              <a:t>Pros and cons of using a text file, XML file, relational database, or NoSQL database</a:t>
+            </a:r>
+          </a:p>
+          <a:p>
             <a:r>
               <a:rPr lang="en-CA" dirty="0" smtClean="0"/>
-              <a:t> </a:t>
-            </a:r>
-            <a:r>
-              <a:rPr lang="en-CA" dirty="0" smtClean="0"/>
-              <a:t>a text file, XML file, relational database, or NoSQL database</a:t>
-            </a:r>
-          </a:p>
-          <a:p>
-            <a:r>
-              <a:rPr lang="en-CA" dirty="0" smtClean="0"/>
-              <a:t>How to install </a:t>
-            </a:r>
-            <a:r>
-              <a:rPr lang="en-CA" dirty="0" smtClean="0"/>
-              <a:t>and connect to </a:t>
+              <a:t>How to install and connect to </a:t>
             </a:r>
             <a:r>
               <a:rPr lang="en-CA" dirty="0" err="1" smtClean="0"/>
@@ -17229,11 +16916,7 @@
           <a:p>
             <a:r>
               <a:rPr lang="en-CA" dirty="0" smtClean="0"/>
-              <a:t>What can we </a:t>
-            </a:r>
-            <a:r>
-              <a:rPr lang="en-CA" dirty="0" smtClean="0"/>
-              <a:t>do with this?</a:t>
+              <a:t>What can we do with this?</a:t>
             </a:r>
             <a:endParaRPr lang="en-US" dirty="0"/>
           </a:p>
@@ -18139,25 +17822,13 @@
           <a:p>
             <a:r>
               <a:rPr lang="en-CA" dirty="0" smtClean="0"/>
-              <a:t>Python has </a:t>
-            </a:r>
+              <a:t>Python has libraries you can use to read and write to and from text files</a:t>
+            </a:r>
+          </a:p>
+          <a:p>
             <a:r>
               <a:rPr lang="en-CA" dirty="0" smtClean="0"/>
-              <a:t>libraries you can use to read and write to and from </a:t>
-            </a:r>
-            <a:r>
-              <a:rPr lang="en-CA" dirty="0" smtClean="0"/>
-              <a:t>text files</a:t>
-            </a:r>
-          </a:p>
-          <a:p>
-            <a:r>
-              <a:rPr lang="en-CA" dirty="0" smtClean="0"/>
-              <a:t>We covered how to do this in “Introduction to Python” Modules 11 &amp; </a:t>
-            </a:r>
-            <a:r>
-              <a:rPr lang="en-CA" dirty="0" smtClean="0"/>
-              <a:t>12 </a:t>
+              <a:t>We covered how to do this in “Introduction to Python” Modules 11 &amp; 12 </a:t>
             </a:r>
           </a:p>
           <a:p>
@@ -19473,15 +19144,6 @@
 </file>
 
 <file path=customXml/item1.xml><?xml version="1.0" encoding="utf-8"?>
-<?mso-contentType ?>
-<FormTemplates xmlns="http://schemas.microsoft.com/sharepoint/v3/contenttype/forms">
-  <Display>DocumentLibraryForm</Display>
-  <Edit>DocumentLibraryForm</Edit>
-  <New>DocumentLibraryForm</New>
-</FormTemplates>
-</file>
-
-<file path=customXml/item2.xml><?xml version="1.0" encoding="utf-8"?>
 <p:properties xmlns:p="http://schemas.microsoft.com/office/2006/metadata/properties" xmlns:xsi="http://www.w3.org/2001/XMLSchema-instance" xmlns:pc="http://schemas.microsoft.com/office/infopath/2007/PartnerControls">
   <documentManagement>
     <TaxCatchAll xmlns="230e9df3-be65-4c73-a93b-d1236ebd677e"/>
@@ -19492,6 +19154,15 @@
     </TaxKeywordTaxHTField>
   </documentManagement>
 </p:properties>
+</file>
+
+<file path=customXml/item2.xml><?xml version="1.0" encoding="utf-8"?>
+<?mso-contentType ?>
+<FormTemplates xmlns="http://schemas.microsoft.com/sharepoint/v3/contenttype/forms">
+  <Display>DocumentLibraryForm</Display>
+  <Edit>DocumentLibraryForm</Edit>
+  <New>DocumentLibraryForm</New>
+</FormTemplates>
 </file>
 
 <file path=customXml/item3.xml><?xml version="1.0" encoding="utf-8"?>
@@ -19677,14 +19348,6 @@
 </file>
 
 <file path=customXml/itemProps1.xml><?xml version="1.0" encoding="utf-8"?>
-<ds:datastoreItem xmlns:ds="http://schemas.openxmlformats.org/officeDocument/2006/customXml" ds:itemID="{B0CA13EC-1D3C-4D6F-8D1C-E8A452CFC79A}">
-  <ds:schemaRefs>
-    <ds:schemaRef ds:uri="http://schemas.microsoft.com/sharepoint/v3/contenttype/forms"/>
-  </ds:schemaRefs>
-</ds:datastoreItem>
-</file>
-
-<file path=customXml/itemProps2.xml><?xml version="1.0" encoding="utf-8"?>
 <ds:datastoreItem xmlns:ds="http://schemas.openxmlformats.org/officeDocument/2006/customXml" ds:itemID="{7025FDD9-4C58-4084-9F89-0E6ADD6FFF55}">
   <ds:schemaRefs>
     <ds:schemaRef ds:uri="http://purl.org/dc/dcmitype/"/>
@@ -19698,6 +19361,14 @@
     <ds:schemaRef ds:uri="http://schemas.openxmlformats.org/package/2006/metadata/core-properties"/>
     <ds:schemaRef ds:uri="http://schemas.microsoft.com/office/2006/documentManagement/types"/>
     <ds:schemaRef ds:uri="http://www.w3.org/XML/1998/namespace"/>
+  </ds:schemaRefs>
+</ds:datastoreItem>
+</file>
+
+<file path=customXml/itemProps2.xml><?xml version="1.0" encoding="utf-8"?>
+<ds:datastoreItem xmlns:ds="http://schemas.openxmlformats.org/officeDocument/2006/customXml" ds:itemID="{B0CA13EC-1D3C-4D6F-8D1C-E8A452CFC79A}">
+  <ds:schemaRefs>
+    <ds:schemaRef ds:uri="http://schemas.microsoft.com/sharepoint/v3/contenttype/forms"/>
   </ds:schemaRefs>
 </ds:datastoreItem>
 </file>
